--- a/LearnGitBranching.pptx
+++ b/LearnGitBranching.pptx
@@ -4133,35 +4133,41 @@
               <a:defRPr/>
             </a:pPr>
             <a:r>
-              <a:rPr kumimoji="1" lang="en-US" altLang="ja-JP" sz="1600" b="0" i="0" u="none" strike="noStrike" kern="1200" cap="none" spc="0" normalizeH="0" baseline="0" noProof="0" smtClean="0">
+              <a:rPr kumimoji="1" lang="en-US" altLang="ja-JP" sz="1200" b="0" i="0" u="none" strike="noStrike" kern="1200" cap="none" spc="0" normalizeH="0" noProof="0" dirty="0" smtClean="0">
                 <a:ln>
                   <a:noFill/>
                 </a:ln>
-                <a:solidFill>
-                  <a:schemeClr val="tx1"/>
-                </a:solidFill>
                 <a:effectLst/>
                 <a:uLnTx/>
                 <a:uFillTx/>
-                <a:latin typeface="Century" pitchFamily="18" charset="0"/>
-                <a:ea typeface="+mn-ea"/>
-                <a:cs typeface="+mn-cs"/>
-              </a:rPr>
-              <a:t>http://k.swd.cc/learnGitBranching-ja/</a:t>
-            </a:r>
-            <a:endParaRPr kumimoji="1" lang="ja-JP" altLang="en-US" sz="1600" b="0" i="0" u="none" strike="noStrike" kern="1200" cap="none" spc="0" normalizeH="0" baseline="0" noProof="0" dirty="0">
+                <a:latin typeface="Century Gothic" pitchFamily="34" charset="0"/>
+                <a:ea typeface="Malgun Gothic" pitchFamily="34" charset="-127"/>
+                <a:hlinkClick r:id="rId3"/>
+              </a:rPr>
+              <a:t>http://k.swd.cc/learnGitBranching-ja</a:t>
+            </a:r>
+            <a:r>
+              <a:rPr kumimoji="1" lang="en-US" altLang="ja-JP" sz="1600" b="0" i="0" u="none" strike="noStrike" kern="1200" cap="none" spc="0" normalizeH="0" noProof="0" dirty="0" smtClean="0">
+                <a:ln>
+                  <a:noFill/>
+                </a:ln>
+                <a:effectLst/>
+                <a:uLnTx/>
+                <a:uFillTx/>
+                <a:latin typeface="Century Gothic" pitchFamily="34" charset="0"/>
+                <a:ea typeface="Malgun Gothic" pitchFamily="34" charset="-127"/>
+                <a:hlinkClick r:id="rId3"/>
+              </a:rPr>
+              <a:t>/</a:t>
+            </a:r>
+            <a:endParaRPr kumimoji="1" lang="ja-JP" altLang="en-US" sz="1600" b="0" i="0" u="none" strike="noStrike" kern="1200" cap="none" spc="0" normalizeH="0" noProof="0" dirty="0">
               <a:ln>
                 <a:noFill/>
               </a:ln>
-              <a:solidFill>
-                <a:schemeClr val="tx1"/>
-              </a:solidFill>
               <a:effectLst/>
               <a:uLnTx/>
               <a:uFillTx/>
-              <a:latin typeface="Century" pitchFamily="18" charset="0"/>
-              <a:ea typeface="+mn-ea"/>
-              <a:cs typeface="+mn-cs"/>
+              <a:latin typeface="Century Gothic" pitchFamily="34" charset="0"/>
             </a:endParaRPr>
           </a:p>
         </p:txBody>
@@ -4326,15 +4332,7 @@
                 <a:ea typeface="Meiryo UI" pitchFamily="50" charset="-128"/>
                 <a:cs typeface="Meiryo UI" pitchFamily="50" charset="-128"/>
               </a:rPr>
-              <a:t>ブランチと</a:t>
-            </a:r>
-            <a:r>
-              <a:rPr lang="ja-JP" altLang="en-US" sz="2800" b="1" dirty="0" smtClean="0">
-                <a:latin typeface="Meiryo UI" pitchFamily="50" charset="-128"/>
-                <a:ea typeface="Meiryo UI" pitchFamily="50" charset="-128"/>
-                <a:cs typeface="Meiryo UI" pitchFamily="50" charset="-128"/>
-              </a:rPr>
-              <a:t>マージ </a:t>
+              <a:t>ブランチとマージ </a:t>
             </a:r>
             <a:r>
               <a:rPr lang="en-US" altLang="ja-JP" sz="2800" b="1" dirty="0" smtClean="0">
@@ -5314,15 +5312,7 @@
                 <a:ea typeface="Meiryo UI" pitchFamily="50" charset="-128"/>
                 <a:cs typeface="Meiryo UI" pitchFamily="50" charset="-128"/>
               </a:rPr>
-              <a:t>ブランチと</a:t>
-            </a:r>
-            <a:r>
-              <a:rPr lang="ja-JP" altLang="en-US" sz="2800" b="1" dirty="0" smtClean="0">
-                <a:latin typeface="Meiryo UI" pitchFamily="50" charset="-128"/>
-                <a:ea typeface="Meiryo UI" pitchFamily="50" charset="-128"/>
-                <a:cs typeface="Meiryo UI" pitchFamily="50" charset="-128"/>
-              </a:rPr>
-              <a:t>マージ </a:t>
+              <a:t>ブランチとマージ </a:t>
             </a:r>
             <a:r>
               <a:rPr lang="en-US" altLang="ja-JP" sz="2800" b="1" dirty="0" smtClean="0">
@@ -9349,11 +9339,6 @@
               </a:rPr>
               <a:t>commit</a:t>
             </a:r>
-            <a:endParaRPr kumimoji="1" lang="en-US" altLang="ja-JP" sz="1500" dirty="0" smtClean="0">
-              <a:latin typeface="Meiryo UI" pitchFamily="50" charset="-128"/>
-              <a:ea typeface="Meiryo UI" pitchFamily="50" charset="-128"/>
-              <a:cs typeface="Meiryo UI" pitchFamily="50" charset="-128"/>
-            </a:endParaRPr>
           </a:p>
           <a:p>
             <a:pPr marL="1179576" lvl="1" indent="-457200">
@@ -9376,11 +9361,6 @@
               </a:rPr>
               <a:t>branch</a:t>
             </a:r>
-            <a:endParaRPr lang="en-US" altLang="ja-JP" sz="1500" dirty="0" smtClean="0">
-              <a:latin typeface="Meiryo UI" pitchFamily="50" charset="-128"/>
-              <a:ea typeface="Meiryo UI" pitchFamily="50" charset="-128"/>
-              <a:cs typeface="Meiryo UI" pitchFamily="50" charset="-128"/>
-            </a:endParaRPr>
           </a:p>
           <a:p>
             <a:pPr marL="1179576" lvl="1" indent="-457200">
@@ -9393,15 +9373,7 @@
                 <a:ea typeface="Meiryo UI" pitchFamily="50" charset="-128"/>
                 <a:cs typeface="Meiryo UI" pitchFamily="50" charset="-128"/>
               </a:rPr>
-              <a:t>ブランチと</a:t>
-            </a:r>
-            <a:r>
-              <a:rPr lang="ja-JP" altLang="en-US" sz="1500" dirty="0" smtClean="0">
-                <a:latin typeface="Meiryo UI" pitchFamily="50" charset="-128"/>
-                <a:ea typeface="Meiryo UI" pitchFamily="50" charset="-128"/>
-                <a:cs typeface="Meiryo UI" pitchFamily="50" charset="-128"/>
-              </a:rPr>
-              <a:t>マージ　</a:t>
+              <a:t>ブランチとマージ　</a:t>
             </a:r>
             <a:r>
               <a:rPr lang="en-US" altLang="ja-JP" sz="1500" dirty="0" smtClean="0">
@@ -9411,11 +9383,6 @@
               </a:rPr>
               <a:t>merge</a:t>
             </a:r>
-            <a:endParaRPr lang="en-US" altLang="ja-JP" sz="1500" dirty="0" smtClean="0">
-              <a:latin typeface="Meiryo UI" pitchFamily="50" charset="-128"/>
-              <a:ea typeface="Meiryo UI" pitchFamily="50" charset="-128"/>
-              <a:cs typeface="Meiryo UI" pitchFamily="50" charset="-128"/>
-            </a:endParaRPr>
           </a:p>
           <a:p>
             <a:pPr marL="1179576" lvl="1" indent="-457200">
@@ -9438,11 +9405,6 @@
               </a:rPr>
               <a:t>rebase</a:t>
             </a:r>
-            <a:endParaRPr lang="en-US" altLang="ja-JP" sz="1500" dirty="0" smtClean="0">
-              <a:latin typeface="Meiryo UI" pitchFamily="50" charset="-128"/>
-              <a:ea typeface="Meiryo UI" pitchFamily="50" charset="-128"/>
-              <a:cs typeface="Meiryo UI" pitchFamily="50" charset="-128"/>
-            </a:endParaRPr>
           </a:p>
           <a:p>
             <a:pPr marL="1179576" lvl="1" indent="-457200"/>
@@ -9500,6 +9462,36 @@
               </a:rPr>
               <a:t>HEAD</a:t>
             </a:r>
+          </a:p>
+          <a:p>
+            <a:pPr marL="1179576" lvl="1" indent="-457200">
+              <a:buFont typeface="+mj-lt"/>
+              <a:buAutoNum type="arabicPeriod"/>
+            </a:pPr>
+            <a:r>
+              <a:rPr lang="ja-JP" altLang="en-US" sz="1500" dirty="0" smtClean="0">
+                <a:latin typeface="Meiryo UI" pitchFamily="50" charset="-128"/>
+                <a:ea typeface="Meiryo UI" pitchFamily="50" charset="-128"/>
+                <a:cs typeface="Meiryo UI" pitchFamily="50" charset="-128"/>
+              </a:rPr>
+              <a:t>コミットの相対的な指定①（</a:t>
+            </a:r>
+            <a:r>
+              <a:rPr lang="en-US" altLang="ja-JP" sz="1500" dirty="0" smtClean="0">
+                <a:latin typeface="Meiryo UI" pitchFamily="50" charset="-128"/>
+                <a:ea typeface="Meiryo UI" pitchFamily="50" charset="-128"/>
+                <a:cs typeface="Meiryo UI" pitchFamily="50" charset="-128"/>
+              </a:rPr>
+              <a:t>^</a:t>
+            </a:r>
+            <a:r>
+              <a:rPr lang="ja-JP" altLang="en-US" sz="1500" dirty="0" smtClean="0">
+                <a:latin typeface="Meiryo UI" pitchFamily="50" charset="-128"/>
+                <a:ea typeface="Meiryo UI" pitchFamily="50" charset="-128"/>
+                <a:cs typeface="Meiryo UI" pitchFamily="50" charset="-128"/>
+              </a:rPr>
+              <a:t>）</a:t>
+            </a:r>
             <a:endParaRPr lang="en-US" altLang="ja-JP" sz="1500" dirty="0" smtClean="0">
               <a:latin typeface="Meiryo UI" pitchFamily="50" charset="-128"/>
               <a:ea typeface="Meiryo UI" pitchFamily="50" charset="-128"/>
@@ -9517,7 +9509,7 @@
                 <a:ea typeface="Meiryo UI" pitchFamily="50" charset="-128"/>
                 <a:cs typeface="Meiryo UI" pitchFamily="50" charset="-128"/>
               </a:rPr>
-              <a:t>コミットの相対的な指定①（</a:t>
+              <a:t>コミットの相対的な指定②（</a:t>
             </a:r>
             <a:r>
               <a:rPr lang="en-US" altLang="ja-JP" sz="1500" dirty="0" smtClean="0">
@@ -9525,7 +9517,7 @@
                 <a:ea typeface="Meiryo UI" pitchFamily="50" charset="-128"/>
                 <a:cs typeface="Meiryo UI" pitchFamily="50" charset="-128"/>
               </a:rPr>
-              <a:t>^</a:t>
+              <a:t>~</a:t>
             </a:r>
             <a:r>
               <a:rPr lang="ja-JP" altLang="en-US" sz="1500" dirty="0" smtClean="0">
@@ -9552,58 +9544,7 @@
                 <a:ea typeface="Meiryo UI" pitchFamily="50" charset="-128"/>
                 <a:cs typeface="Meiryo UI" pitchFamily="50" charset="-128"/>
               </a:rPr>
-              <a:t>コミットの相対的な指定②（</a:t>
-            </a:r>
-            <a:r>
-              <a:rPr lang="en-US" altLang="ja-JP" sz="1500" dirty="0" smtClean="0">
-                <a:latin typeface="Meiryo UI" pitchFamily="50" charset="-128"/>
-                <a:ea typeface="Meiryo UI" pitchFamily="50" charset="-128"/>
-                <a:cs typeface="Meiryo UI" pitchFamily="50" charset="-128"/>
-              </a:rPr>
-              <a:t>~</a:t>
-            </a:r>
-            <a:r>
-              <a:rPr lang="ja-JP" altLang="en-US" sz="1500" dirty="0" smtClean="0">
-                <a:latin typeface="Meiryo UI" pitchFamily="50" charset="-128"/>
-                <a:ea typeface="Meiryo UI" pitchFamily="50" charset="-128"/>
-                <a:cs typeface="Meiryo UI" pitchFamily="50" charset="-128"/>
-              </a:rPr>
-              <a:t>）</a:t>
-            </a:r>
-            <a:endParaRPr lang="en-US" altLang="ja-JP" sz="1500" dirty="0" smtClean="0">
-              <a:latin typeface="Meiryo UI" pitchFamily="50" charset="-128"/>
-              <a:ea typeface="Meiryo UI" pitchFamily="50" charset="-128"/>
-              <a:cs typeface="Meiryo UI" pitchFamily="50" charset="-128"/>
-            </a:endParaRPr>
-          </a:p>
-          <a:p>
-            <a:pPr marL="1179576" lvl="1" indent="-457200">
-              <a:buFont typeface="+mj-lt"/>
-              <a:buAutoNum type="arabicPeriod"/>
-            </a:pPr>
-            <a:r>
-              <a:rPr lang="ja-JP" altLang="en-US" sz="1500" dirty="0" smtClean="0">
-                <a:latin typeface="Meiryo UI" pitchFamily="50" charset="-128"/>
-                <a:ea typeface="Meiryo UI" pitchFamily="50" charset="-128"/>
-                <a:cs typeface="Meiryo UI" pitchFamily="50" charset="-128"/>
-              </a:rPr>
-              <a:t>変更</a:t>
-            </a:r>
-            <a:r>
-              <a:rPr lang="ja-JP" altLang="en-US" sz="1500" dirty="0" smtClean="0">
-                <a:latin typeface="Meiryo UI" pitchFamily="50" charset="-128"/>
-                <a:ea typeface="Meiryo UI" pitchFamily="50" charset="-128"/>
-                <a:cs typeface="Meiryo UI" pitchFamily="50" charset="-128"/>
-              </a:rPr>
-              <a:t>を元に</a:t>
-            </a:r>
-            <a:r>
-              <a:rPr lang="ja-JP" altLang="en-US" sz="1500" dirty="0" smtClean="0">
-                <a:latin typeface="Meiryo UI" pitchFamily="50" charset="-128"/>
-                <a:ea typeface="Meiryo UI" pitchFamily="50" charset="-128"/>
-                <a:cs typeface="Meiryo UI" pitchFamily="50" charset="-128"/>
-              </a:rPr>
-              <a:t>戻す</a:t>
+              <a:t>変更を元に戻す</a:t>
             </a:r>
             <a:r>
               <a:rPr lang="en-US" altLang="ja-JP" sz="1500" dirty="0" smtClean="0">
@@ -9659,11 +9600,6 @@
               </a:rPr>
               <a:t>revert</a:t>
             </a:r>
-            <a:endParaRPr lang="en-US" altLang="ja-JP" sz="1500" dirty="0" smtClean="0">
-              <a:latin typeface="Meiryo UI" pitchFamily="50" charset="-128"/>
-              <a:ea typeface="Meiryo UI" pitchFamily="50" charset="-128"/>
-              <a:cs typeface="Meiryo UI" pitchFamily="50" charset="-128"/>
-            </a:endParaRPr>
           </a:p>
           <a:p>
             <a:pPr marL="457200" indent="-457200"/>
@@ -9757,15 +9693,7 @@
                 <a:ea typeface="Meiryo UI" pitchFamily="50" charset="-128"/>
                 <a:cs typeface="Meiryo UI" pitchFamily="50" charset="-128"/>
               </a:rPr>
-              <a:t>コミットをやりくりする</a:t>
-            </a:r>
-            <a:r>
-              <a:rPr lang="ja-JP" altLang="en-US" sz="1500" dirty="0" smtClean="0">
-                <a:latin typeface="Meiryo UI" pitchFamily="50" charset="-128"/>
-                <a:ea typeface="Meiryo UI" pitchFamily="50" charset="-128"/>
-                <a:cs typeface="Meiryo UI" pitchFamily="50" charset="-128"/>
-              </a:rPr>
-              <a:t>②</a:t>
+              <a:t>コミットをやりくりする②</a:t>
             </a:r>
             <a:endParaRPr lang="en-US" altLang="ja-JP" sz="1400" dirty="0" smtClean="0">
               <a:latin typeface="Meiryo UI" pitchFamily="50" charset="-128"/>
@@ -10391,15 +10319,7 @@
                 <a:ea typeface="Meiryo UI" pitchFamily="50" charset="-128"/>
                 <a:cs typeface="Meiryo UI" pitchFamily="50" charset="-128"/>
               </a:rPr>
-              <a:t>コミットの相対的な</a:t>
-            </a:r>
-            <a:r>
-              <a:rPr lang="ja-JP" altLang="en-US" sz="2800" b="1" dirty="0" smtClean="0">
-                <a:latin typeface="Meiryo UI" pitchFamily="50" charset="-128"/>
-                <a:ea typeface="Meiryo UI" pitchFamily="50" charset="-128"/>
-                <a:cs typeface="Meiryo UI" pitchFamily="50" charset="-128"/>
-              </a:rPr>
-              <a:t>指定</a:t>
+              <a:t>コミットの相対的な指定</a:t>
             </a:r>
             <a:endParaRPr kumimoji="1" lang="ja-JP" altLang="en-US" sz="2800" dirty="0">
               <a:latin typeface="Meiryo UI" pitchFamily="50" charset="-128"/>
@@ -10634,23 +10554,7 @@
                 <a:ea typeface="Meiryo UI" pitchFamily="50" charset="-128"/>
                 <a:cs typeface="Meiryo UI" pitchFamily="50" charset="-128"/>
               </a:rPr>
-              <a:t>コミットの相対的な</a:t>
-            </a:r>
-            <a:r>
-              <a:rPr lang="ja-JP" altLang="en-US" sz="2800" b="1" dirty="0" smtClean="0">
-                <a:latin typeface="Meiryo UI" pitchFamily="50" charset="-128"/>
-                <a:ea typeface="Meiryo UI" pitchFamily="50" charset="-128"/>
-                <a:cs typeface="Meiryo UI" pitchFamily="50" charset="-128"/>
-              </a:rPr>
-              <a:t>指定①　ハット</a:t>
-            </a:r>
-            <a:r>
-              <a:rPr lang="ja-JP" altLang="en-US" sz="2800" b="1" dirty="0" smtClean="0">
-                <a:latin typeface="Meiryo UI" pitchFamily="50" charset="-128"/>
-                <a:ea typeface="Meiryo UI" pitchFamily="50" charset="-128"/>
-                <a:cs typeface="Meiryo UI" pitchFamily="50" charset="-128"/>
-              </a:rPr>
-              <a:t>（</a:t>
+              <a:t>コミットの相対的な指定①　ハット（</a:t>
             </a:r>
             <a:r>
               <a:rPr lang="en-US" altLang="ja-JP" sz="2800" b="1" dirty="0" smtClean="0">
@@ -12160,15 +12064,7 @@
                 <a:ea typeface="Meiryo UI" pitchFamily="50" charset="-128"/>
                 <a:cs typeface="Meiryo UI" pitchFamily="50" charset="-128"/>
               </a:rPr>
-              <a:t>コミットの相対的な指定</a:t>
-            </a:r>
-            <a:r>
-              <a:rPr lang="ja-JP" altLang="en-US" sz="2800" b="1" dirty="0" smtClean="0">
-                <a:latin typeface="Meiryo UI" pitchFamily="50" charset="-128"/>
-                <a:ea typeface="Meiryo UI" pitchFamily="50" charset="-128"/>
-                <a:cs typeface="Meiryo UI" pitchFamily="50" charset="-128"/>
-              </a:rPr>
-              <a:t>②　チルダ（</a:t>
+              <a:t>コミットの相対的な指定②　チルダ（</a:t>
             </a:r>
             <a:r>
               <a:rPr lang="en-US" altLang="ja-JP" sz="2800" b="1" dirty="0" smtClean="0">
@@ -13066,15 +12962,7 @@
                 <a:ea typeface="Meiryo UI" pitchFamily="50" charset="-128"/>
                 <a:cs typeface="Meiryo UI" pitchFamily="50" charset="-128"/>
               </a:rPr>
-              <a:t>リセット</a:t>
-            </a:r>
-            <a:r>
-              <a:rPr lang="ja-JP" altLang="en-US" sz="2800" b="1" dirty="0" smtClean="0">
-                <a:latin typeface="Meiryo UI" pitchFamily="50" charset="-128"/>
-                <a:ea typeface="Meiryo UI" pitchFamily="50" charset="-128"/>
-                <a:cs typeface="Meiryo UI" pitchFamily="50" charset="-128"/>
-              </a:rPr>
-              <a:t>　</a:t>
+              <a:t>リセット　</a:t>
             </a:r>
             <a:r>
               <a:rPr lang="en-US" altLang="ja-JP" sz="2800" b="1" dirty="0" smtClean="0">
@@ -13683,15 +13571,7 @@
                 <a:ea typeface="Meiryo UI" pitchFamily="50" charset="-128"/>
                 <a:cs typeface="Meiryo UI" pitchFamily="50" charset="-128"/>
               </a:rPr>
-              <a:t>リバート</a:t>
-            </a:r>
-            <a:r>
-              <a:rPr lang="ja-JP" altLang="en-US" sz="2800" b="1" dirty="0" smtClean="0">
-                <a:latin typeface="Meiryo UI" pitchFamily="50" charset="-128"/>
-                <a:ea typeface="Meiryo UI" pitchFamily="50" charset="-128"/>
-                <a:cs typeface="Meiryo UI" pitchFamily="50" charset="-128"/>
-              </a:rPr>
-              <a:t>　</a:t>
+              <a:t>リバート　</a:t>
             </a:r>
             <a:r>
               <a:rPr lang="en-US" altLang="ja-JP" sz="2800" b="1" dirty="0" smtClean="0">
@@ -15976,15 +15856,7 @@
                 <a:ea typeface="Meiryo UI" pitchFamily="50" charset="-128"/>
                 <a:cs typeface="Meiryo UI" pitchFamily="50" charset="-128"/>
               </a:rPr>
-              <a:t>をやりくり</a:t>
-            </a:r>
-            <a:r>
-              <a:rPr lang="ja-JP" altLang="en-US" sz="2800" b="1" dirty="0" smtClean="0">
-                <a:latin typeface="Meiryo UI" pitchFamily="50" charset="-128"/>
-                <a:ea typeface="Meiryo UI" pitchFamily="50" charset="-128"/>
-                <a:cs typeface="Meiryo UI" pitchFamily="50" charset="-128"/>
-              </a:rPr>
-              <a:t>する①</a:t>
+              <a:t>をやりくりする①</a:t>
             </a:r>
             <a:endParaRPr kumimoji="1" lang="ja-JP" altLang="en-US" sz="2800" dirty="0">
               <a:latin typeface="Meiryo UI" pitchFamily="50" charset="-128"/>
@@ -16050,15 +15922,7 @@
                 <a:ea typeface="Meiryo UI" pitchFamily="50" charset="-128"/>
                 <a:cs typeface="Meiryo UI" pitchFamily="50" charset="-128"/>
               </a:rPr>
-              <a:t>をやりくり</a:t>
-            </a:r>
-            <a:r>
-              <a:rPr lang="ja-JP" altLang="en-US" sz="2800" b="1" dirty="0" smtClean="0">
-                <a:latin typeface="Meiryo UI" pitchFamily="50" charset="-128"/>
-                <a:ea typeface="Meiryo UI" pitchFamily="50" charset="-128"/>
-                <a:cs typeface="Meiryo UI" pitchFamily="50" charset="-128"/>
-              </a:rPr>
-              <a:t>する②</a:t>
+              <a:t>をやりくりする②</a:t>
             </a:r>
             <a:endParaRPr kumimoji="1" lang="ja-JP" altLang="en-US" sz="2800" dirty="0">
               <a:latin typeface="Meiryo UI" pitchFamily="50" charset="-128"/>
@@ -16104,21 +15968,8 @@
                 <a:ea typeface="Meiryo UI" pitchFamily="50" charset="-128"/>
                 <a:cs typeface="Meiryo UI" pitchFamily="50" charset="-128"/>
               </a:rPr>
-              <a:t>注意 この一つ前のレベル「コミットをやりくりする」をクリアしていない人は、まずそちらの問題をクリアしてきて</a:t>
-            </a:r>
-            <a:r>
-              <a:rPr lang="ja-JP" altLang="en-US" sz="1400" dirty="0" smtClean="0">
-                <a:latin typeface="Meiryo UI" pitchFamily="50" charset="-128"/>
-                <a:ea typeface="Meiryo UI" pitchFamily="50" charset="-128"/>
-                <a:cs typeface="Meiryo UI" pitchFamily="50" charset="-128"/>
-              </a:rPr>
-              <a:t>ください</a:t>
-            </a:r>
-            <a:endParaRPr lang="ja-JP" altLang="en-US" sz="1400" dirty="0" smtClean="0">
-              <a:latin typeface="Meiryo UI" pitchFamily="50" charset="-128"/>
-              <a:ea typeface="Meiryo UI" pitchFamily="50" charset="-128"/>
-              <a:cs typeface="Meiryo UI" pitchFamily="50" charset="-128"/>
-            </a:endParaRPr>
+              <a:t>注意 この一つ前のレベル「コミットをやりくりする」をクリアしていない人は、まずそちらの問題をクリアしてきてください</a:t>
+            </a:r>
           </a:p>
           <a:p>
             <a:pPr indent="-360000">
@@ -16167,21 +16018,8 @@
                 <a:ea typeface="Meiryo UI" pitchFamily="50" charset="-128"/>
                 <a:cs typeface="Meiryo UI" pitchFamily="50" charset="-128"/>
               </a:rPr>
-              <a:t>オプションを使うことで容易に変更を書きかえて、元の順序に戻すことができます</a:t>
-            </a:r>
-            <a:r>
-              <a:rPr lang="ja-JP" altLang="en-US" sz="1400" dirty="0" smtClean="0">
-                <a:latin typeface="Meiryo UI" pitchFamily="50" charset="-128"/>
-                <a:ea typeface="Meiryo UI" pitchFamily="50" charset="-128"/>
-                <a:cs typeface="Meiryo UI" pitchFamily="50" charset="-128"/>
-              </a:rPr>
-              <a:t>。</a:t>
-            </a:r>
-            <a:endParaRPr lang="ja-JP" altLang="en-US" sz="1400" dirty="0" smtClean="0">
-              <a:latin typeface="Meiryo UI" pitchFamily="50" charset="-128"/>
-              <a:ea typeface="Meiryo UI" pitchFamily="50" charset="-128"/>
-              <a:cs typeface="Meiryo UI" pitchFamily="50" charset="-128"/>
-            </a:endParaRPr>
+              <a:t>オプションを使うことで容易に変更を書きかえて、元の順序に戻すことができます。</a:t>
+            </a:r>
           </a:p>
           <a:p>
             <a:pPr indent="-360000">
@@ -19178,15 +19016,7 @@
                 <a:ea typeface="Meiryo UI" pitchFamily="50" charset="-128"/>
                 <a:cs typeface="Meiryo UI" pitchFamily="50" charset="-128"/>
               </a:rPr>
-              <a:t>ブランチと</a:t>
-            </a:r>
-            <a:r>
-              <a:rPr lang="ja-JP" altLang="en-US" sz="2800" b="1" dirty="0" smtClean="0">
-                <a:latin typeface="Meiryo UI" pitchFamily="50" charset="-128"/>
-                <a:ea typeface="Meiryo UI" pitchFamily="50" charset="-128"/>
-                <a:cs typeface="Meiryo UI" pitchFamily="50" charset="-128"/>
-              </a:rPr>
-              <a:t>マージ </a:t>
+              <a:t>ブランチとマージ </a:t>
             </a:r>
             <a:r>
               <a:rPr lang="en-US" altLang="ja-JP" sz="2800" b="1" dirty="0" smtClean="0">

--- a/LearnGitBranching.pptx
+++ b/LearnGitBranching.pptx
@@ -522,7 +522,7 @@
             <a:fld id="{D1312348-8B12-4004-848E-A38613039C28}" type="datetimeFigureOut">
               <a:rPr kumimoji="1" lang="ja-JP" altLang="en-US" smtClean="0"/>
               <a:pPr/>
-              <a:t>2016/8/3</a:t>
+              <a:t>16/08/03</a:t>
             </a:fld>
             <a:endParaRPr kumimoji="1" lang="ja-JP" altLang="en-US"/>
           </a:p>
@@ -565,7 +565,7 @@
             <a:fld id="{D2B45107-C677-4E8B-9F72-B6D3FA059655}" type="slidenum">
               <a:rPr kumimoji="1" lang="ja-JP" altLang="en-US" smtClean="0"/>
               <a:pPr/>
-              <a:t>&lt;#&gt;</a:t>
+              <a:t>‹#›</a:t>
             </a:fld>
             <a:endParaRPr kumimoji="1" lang="ja-JP" altLang="en-US"/>
           </a:p>
@@ -721,7 +721,7 @@
             <a:fld id="{D1312348-8B12-4004-848E-A38613039C28}" type="datetimeFigureOut">
               <a:rPr kumimoji="1" lang="ja-JP" altLang="en-US" smtClean="0"/>
               <a:pPr/>
-              <a:t>2016/8/3</a:t>
+              <a:t>16/08/03</a:t>
             </a:fld>
             <a:endParaRPr kumimoji="1" lang="ja-JP" altLang="en-US"/>
           </a:p>
@@ -764,7 +764,7 @@
             <a:fld id="{D2B45107-C677-4E8B-9F72-B6D3FA059655}" type="slidenum">
               <a:rPr kumimoji="1" lang="ja-JP" altLang="en-US" smtClean="0"/>
               <a:pPr/>
-              <a:t>&lt;#&gt;</a:t>
+              <a:t>‹#›</a:t>
             </a:fld>
             <a:endParaRPr kumimoji="1" lang="ja-JP" altLang="en-US"/>
           </a:p>
@@ -930,7 +930,7 @@
             <a:fld id="{D1312348-8B12-4004-848E-A38613039C28}" type="datetimeFigureOut">
               <a:rPr kumimoji="1" lang="ja-JP" altLang="en-US" smtClean="0"/>
               <a:pPr/>
-              <a:t>2016/8/3</a:t>
+              <a:t>16/08/03</a:t>
             </a:fld>
             <a:endParaRPr kumimoji="1" lang="ja-JP" altLang="en-US"/>
           </a:p>
@@ -973,7 +973,7 @@
             <a:fld id="{D2B45107-C677-4E8B-9F72-B6D3FA059655}" type="slidenum">
               <a:rPr kumimoji="1" lang="ja-JP" altLang="en-US" smtClean="0"/>
               <a:pPr/>
-              <a:t>&lt;#&gt;</a:t>
+              <a:t>‹#›</a:t>
             </a:fld>
             <a:endParaRPr kumimoji="1" lang="ja-JP" altLang="en-US"/>
           </a:p>
@@ -1133,7 +1133,7 @@
             <a:fld id="{D1312348-8B12-4004-848E-A38613039C28}" type="datetimeFigureOut">
               <a:rPr kumimoji="1" lang="ja-JP" altLang="en-US" smtClean="0"/>
               <a:pPr/>
-              <a:t>2016/8/3</a:t>
+              <a:t>16/08/03</a:t>
             </a:fld>
             <a:endParaRPr kumimoji="1" lang="ja-JP" altLang="en-US"/>
           </a:p>
@@ -1176,7 +1176,7 @@
             <a:fld id="{D2B45107-C677-4E8B-9F72-B6D3FA059655}" type="slidenum">
               <a:rPr kumimoji="1" lang="ja-JP" altLang="en-US" smtClean="0"/>
               <a:pPr/>
-              <a:t>&lt;#&gt;</a:t>
+              <a:t>‹#›</a:t>
             </a:fld>
             <a:endParaRPr kumimoji="1" lang="ja-JP" altLang="en-US"/>
           </a:p>
@@ -1590,7 +1590,7 @@
             <a:fld id="{D1312348-8B12-4004-848E-A38613039C28}" type="datetimeFigureOut">
               <a:rPr kumimoji="1" lang="ja-JP" altLang="en-US" smtClean="0"/>
               <a:pPr/>
-              <a:t>2016/8/3</a:t>
+              <a:t>16/08/03</a:t>
             </a:fld>
             <a:endParaRPr kumimoji="1" lang="ja-JP" altLang="en-US"/>
           </a:p>
@@ -1633,7 +1633,7 @@
             <a:fld id="{D2B45107-C677-4E8B-9F72-B6D3FA059655}" type="slidenum">
               <a:rPr kumimoji="1" lang="ja-JP" altLang="en-US" smtClean="0"/>
               <a:pPr/>
-              <a:t>&lt;#&gt;</a:t>
+              <a:t>‹#›</a:t>
             </a:fld>
             <a:endParaRPr kumimoji="1" lang="ja-JP" altLang="en-US"/>
           </a:p>
@@ -1920,7 +1920,7 @@
             <a:fld id="{D1312348-8B12-4004-848E-A38613039C28}" type="datetimeFigureOut">
               <a:rPr kumimoji="1" lang="ja-JP" altLang="en-US" smtClean="0"/>
               <a:pPr/>
-              <a:t>2016/8/3</a:t>
+              <a:t>16/08/03</a:t>
             </a:fld>
             <a:endParaRPr kumimoji="1" lang="ja-JP" altLang="en-US"/>
           </a:p>
@@ -1963,7 +1963,7 @@
             <a:fld id="{D2B45107-C677-4E8B-9F72-B6D3FA059655}" type="slidenum">
               <a:rPr kumimoji="1" lang="ja-JP" altLang="en-US" smtClean="0"/>
               <a:pPr/>
-              <a:t>&lt;#&gt;</a:t>
+              <a:t>‹#›</a:t>
             </a:fld>
             <a:endParaRPr kumimoji="1" lang="ja-JP" altLang="en-US"/>
           </a:p>
@@ -2360,7 +2360,7 @@
             <a:fld id="{D1312348-8B12-4004-848E-A38613039C28}" type="datetimeFigureOut">
               <a:rPr kumimoji="1" lang="ja-JP" altLang="en-US" smtClean="0"/>
               <a:pPr/>
-              <a:t>2016/8/3</a:t>
+              <a:t>16/08/03</a:t>
             </a:fld>
             <a:endParaRPr kumimoji="1" lang="ja-JP" altLang="en-US"/>
           </a:p>
@@ -2403,7 +2403,7 @@
             <a:fld id="{D2B45107-C677-4E8B-9F72-B6D3FA059655}" type="slidenum">
               <a:rPr kumimoji="1" lang="ja-JP" altLang="en-US" smtClean="0"/>
               <a:pPr/>
-              <a:t>&lt;#&gt;</a:t>
+              <a:t>‹#›</a:t>
             </a:fld>
             <a:endParaRPr kumimoji="1" lang="ja-JP" altLang="en-US"/>
           </a:p>
@@ -2484,7 +2484,7 @@
             <a:fld id="{D1312348-8B12-4004-848E-A38613039C28}" type="datetimeFigureOut">
               <a:rPr kumimoji="1" lang="ja-JP" altLang="en-US" smtClean="0"/>
               <a:pPr/>
-              <a:t>2016/8/3</a:t>
+              <a:t>16/08/03</a:t>
             </a:fld>
             <a:endParaRPr kumimoji="1" lang="ja-JP" altLang="en-US"/>
           </a:p>
@@ -2508,7 +2508,7 @@
             <a:fld id="{D2B45107-C677-4E8B-9F72-B6D3FA059655}" type="slidenum">
               <a:rPr kumimoji="1" lang="ja-JP" altLang="en-US" smtClean="0"/>
               <a:pPr/>
-              <a:t>&lt;#&gt;</a:t>
+              <a:t>‹#›</a:t>
             </a:fld>
             <a:endParaRPr kumimoji="1" lang="ja-JP" altLang="en-US"/>
           </a:p>
@@ -2576,7 +2576,7 @@
             <a:fld id="{D1312348-8B12-4004-848E-A38613039C28}" type="datetimeFigureOut">
               <a:rPr kumimoji="1" lang="ja-JP" altLang="en-US" smtClean="0"/>
               <a:pPr/>
-              <a:t>2016/8/3</a:t>
+              <a:t>16/08/03</a:t>
             </a:fld>
             <a:endParaRPr kumimoji="1" lang="ja-JP" altLang="en-US"/>
           </a:p>
@@ -2619,7 +2619,7 @@
             <a:fld id="{D2B45107-C677-4E8B-9F72-B6D3FA059655}" type="slidenum">
               <a:rPr kumimoji="1" lang="ja-JP" altLang="en-US" smtClean="0"/>
               <a:pPr/>
-              <a:t>&lt;#&gt;</a:t>
+              <a:t>‹#›</a:t>
             </a:fld>
             <a:endParaRPr kumimoji="1" lang="ja-JP" altLang="en-US"/>
           </a:p>
@@ -2859,7 +2859,7 @@
             <a:fld id="{D1312348-8B12-4004-848E-A38613039C28}" type="datetimeFigureOut">
               <a:rPr kumimoji="1" lang="ja-JP" altLang="en-US" smtClean="0"/>
               <a:pPr/>
-              <a:t>2016/8/3</a:t>
+              <a:t>16/08/03</a:t>
             </a:fld>
             <a:endParaRPr kumimoji="1" lang="ja-JP" altLang="en-US"/>
           </a:p>
@@ -2907,7 +2907,7 @@
             <a:fld id="{D2B45107-C677-4E8B-9F72-B6D3FA059655}" type="slidenum">
               <a:rPr kumimoji="1" lang="ja-JP" altLang="en-US" smtClean="0"/>
               <a:pPr/>
-              <a:t>&lt;#&gt;</a:t>
+              <a:t>‹#›</a:t>
             </a:fld>
             <a:endParaRPr kumimoji="1" lang="ja-JP" altLang="en-US"/>
           </a:p>
@@ -3120,7 +3120,7 @@
             <a:fld id="{D1312348-8B12-4004-848E-A38613039C28}" type="datetimeFigureOut">
               <a:rPr kumimoji="1" lang="ja-JP" altLang="en-US" smtClean="0"/>
               <a:pPr/>
-              <a:t>2016/8/3</a:t>
+              <a:t>16/08/03</a:t>
             </a:fld>
             <a:endParaRPr kumimoji="1" lang="ja-JP" altLang="en-US"/>
           </a:p>
@@ -3163,7 +3163,7 @@
             <a:fld id="{D2B45107-C677-4E8B-9F72-B6D3FA059655}" type="slidenum">
               <a:rPr kumimoji="1" lang="ja-JP" altLang="en-US" smtClean="0"/>
               <a:pPr/>
-              <a:t>&lt;#&gt;</a:t>
+              <a:t>‹#›</a:t>
             </a:fld>
             <a:endParaRPr kumimoji="1" lang="ja-JP" altLang="en-US"/>
           </a:p>
@@ -3558,7 +3558,7 @@
             <a:fld id="{D1312348-8B12-4004-848E-A38613039C28}" type="datetimeFigureOut">
               <a:rPr kumimoji="1" lang="ja-JP" altLang="en-US" smtClean="0"/>
               <a:pPr/>
-              <a:t>2016/8/3</a:t>
+              <a:t>16/08/03</a:t>
             </a:fld>
             <a:endParaRPr kumimoji="1" lang="ja-JP" altLang="en-US"/>
           </a:p>
@@ -3637,7 +3637,7 @@
             <a:fld id="{D2B45107-C677-4E8B-9F72-B6D3FA059655}" type="slidenum">
               <a:rPr kumimoji="1" lang="ja-JP" altLang="en-US" smtClean="0"/>
               <a:pPr/>
-              <a:t>&lt;#&gt;</a:t>
+              <a:t>‹#›</a:t>
             </a:fld>
             <a:endParaRPr kumimoji="1" lang="ja-JP" altLang="en-US"/>
           </a:p>
@@ -4065,31 +4065,6 @@
           </a:p>
         </p:txBody>
       </p:sp>
-      <p:pic>
-        <p:nvPicPr>
-          <p:cNvPr id="4" name="図プレースホルダ 6" descr="github-mark.png"/>
-          <p:cNvPicPr>
-            <a:picLocks noChangeAspect="1"/>
-          </p:cNvPicPr>
-          <p:nvPr/>
-        </p:nvPicPr>
-        <p:blipFill>
-          <a:blip r:embed="rId2" cstate="print"/>
-          <a:srcRect/>
-          <a:stretch>
-            <a:fillRect/>
-          </a:stretch>
-        </p:blipFill>
-        <p:spPr>
-          <a:xfrm>
-            <a:off x="7487816" y="0"/>
-            <a:ext cx="1656184" cy="1656184"/>
-          </a:xfrm>
-          <a:prstGeom prst="rect">
-            <a:avLst/>
-          </a:prstGeom>
-        </p:spPr>
-      </p:pic>
       <p:sp>
         <p:nvSpPr>
           <p:cNvPr id="5" name="サブタイトル 2"/>
@@ -4142,7 +4117,7 @@
                 <a:uFillTx/>
                 <a:latin typeface="Century Gothic" pitchFamily="34" charset="0"/>
                 <a:ea typeface="Malgun Gothic" pitchFamily="34" charset="-127"/>
-                <a:hlinkClick r:id="rId3"/>
+                <a:hlinkClick r:id="rId2"/>
               </a:rPr>
               <a:t>http://k.swd.cc/learnGitBranching-ja</a:t>
             </a:r>
@@ -4156,7 +4131,7 @@
                 <a:uFillTx/>
                 <a:latin typeface="Century Gothic" pitchFamily="34" charset="0"/>
                 <a:ea typeface="Malgun Gothic" pitchFamily="34" charset="-127"/>
-                <a:hlinkClick r:id="rId3"/>
+                <a:hlinkClick r:id="rId2"/>
               </a:rPr>
               <a:t>/</a:t>
             </a:r>
@@ -4172,6 +4147,36 @@
           </a:p>
         </p:txBody>
       </p:sp>
+      <p:pic>
+        <p:nvPicPr>
+          <p:cNvPr id="6" name="図 5" descr="github-octocat-logo.png"/>
+          <p:cNvPicPr>
+            <a:picLocks noChangeAspect="1"/>
+          </p:cNvPicPr>
+          <p:nvPr/>
+        </p:nvPicPr>
+        <p:blipFill>
+          <a:blip r:embed="rId3">
+            <a:extLst>
+              <a:ext uri="{28A0092B-C50C-407E-A947-70E740481C1C}">
+                <a14:useLocalDpi xmlns:a14="http://schemas.microsoft.com/office/drawing/2010/main" val="0"/>
+              </a:ext>
+            </a:extLst>
+          </a:blip>
+          <a:stretch>
+            <a:fillRect/>
+          </a:stretch>
+        </p:blipFill>
+        <p:spPr>
+          <a:xfrm>
+            <a:off x="1331640" y="2060848"/>
+            <a:ext cx="1667024" cy="1667024"/>
+          </a:xfrm>
+          <a:prstGeom prst="rect">
+            <a:avLst/>
+          </a:prstGeom>
+        </p:spPr>
+      </p:pic>
     </p:spTree>
   </p:cSld>
   <p:clrMapOvr>
@@ -12553,6 +12558,13 @@
   <p:clrMapOvr>
     <a:masterClrMapping/>
   </p:clrMapOvr>
+  <p:timing>
+    <p:tnLst>
+      <p:par>
+        <p:cTn xmlns:p14="http://schemas.microsoft.com/office/powerpoint/2010/main" id="1" dur="indefinite" restart="never" nodeType="tmRoot"/>
+      </p:par>
+    </p:tnLst>
+  </p:timing>
 </p:sld>
 </file>
 
@@ -12919,6 +12931,13 @@
   <p:clrMapOvr>
     <a:masterClrMapping/>
   </p:clrMapOvr>
+  <p:timing>
+    <p:tnLst>
+      <p:par>
+        <p:cTn xmlns:p14="http://schemas.microsoft.com/office/powerpoint/2010/main" id="1" dur="indefinite" restart="never" nodeType="tmRoot"/>
+      </p:par>
+    </p:tnLst>
+  </p:timing>
 </p:sld>
 </file>
 
@@ -13496,6 +13515,13 @@
   <p:clrMapOvr>
     <a:masterClrMapping/>
   </p:clrMapOvr>
+  <p:timing>
+    <p:tnLst>
+      <p:par>
+        <p:cTn xmlns:p14="http://schemas.microsoft.com/office/powerpoint/2010/main" id="1" dur="indefinite" restart="never" nodeType="tmRoot"/>
+      </p:par>
+    </p:tnLst>
+  </p:timing>
 </p:sld>
 </file>
 
@@ -14066,6 +14092,13 @@
   <p:clrMapOvr>
     <a:masterClrMapping/>
   </p:clrMapOvr>
+  <p:timing>
+    <p:tnLst>
+      <p:par>
+        <p:cTn xmlns:p14="http://schemas.microsoft.com/office/powerpoint/2010/main" id="1" dur="indefinite" restart="never" nodeType="tmRoot"/>
+      </p:par>
+    </p:tnLst>
+  </p:timing>
 </p:sld>
 </file>
 
